--- a/Presentetion.pptx
+++ b/Presentetion.pptx
@@ -74,7 +74,7 @@
         <a:latin typeface="+mj-lt"/>
         <a:ea typeface="+mj-ea"/>
         <a:cs typeface="+mj-cs"/>
-        <a:sym typeface="Helvetica Neue"/>
+        <a:sym typeface="Helvetica"/>
       </a:defRPr>
     </a:lvl1pPr>
     <a:lvl2pPr marL="0" marR="0" indent="0" algn="ctr" defTabSz="2438337" rtl="0" fontAlgn="auto" latinLnBrk="0" hangingPunct="0">
@@ -104,7 +104,7 @@
         <a:latin typeface="+mj-lt"/>
         <a:ea typeface="+mj-ea"/>
         <a:cs typeface="+mj-cs"/>
-        <a:sym typeface="Helvetica Neue"/>
+        <a:sym typeface="Helvetica"/>
       </a:defRPr>
     </a:lvl2pPr>
     <a:lvl3pPr marL="0" marR="0" indent="0" algn="ctr" defTabSz="2438337" rtl="0" fontAlgn="auto" latinLnBrk="0" hangingPunct="0">
@@ -134,7 +134,7 @@
         <a:latin typeface="+mj-lt"/>
         <a:ea typeface="+mj-ea"/>
         <a:cs typeface="+mj-cs"/>
-        <a:sym typeface="Helvetica Neue"/>
+        <a:sym typeface="Helvetica"/>
       </a:defRPr>
     </a:lvl3pPr>
     <a:lvl4pPr marL="0" marR="0" indent="0" algn="ctr" defTabSz="2438337" rtl="0" fontAlgn="auto" latinLnBrk="0" hangingPunct="0">
@@ -164,7 +164,7 @@
         <a:latin typeface="+mj-lt"/>
         <a:ea typeface="+mj-ea"/>
         <a:cs typeface="+mj-cs"/>
-        <a:sym typeface="Helvetica Neue"/>
+        <a:sym typeface="Helvetica"/>
       </a:defRPr>
     </a:lvl4pPr>
     <a:lvl5pPr marL="0" marR="0" indent="0" algn="ctr" defTabSz="2438337" rtl="0" fontAlgn="auto" latinLnBrk="0" hangingPunct="0">
@@ -194,7 +194,7 @@
         <a:latin typeface="+mj-lt"/>
         <a:ea typeface="+mj-ea"/>
         <a:cs typeface="+mj-cs"/>
-        <a:sym typeface="Helvetica Neue"/>
+        <a:sym typeface="Helvetica"/>
       </a:defRPr>
     </a:lvl5pPr>
     <a:lvl6pPr marL="0" marR="0" indent="0" algn="ctr" defTabSz="2438337" rtl="0" fontAlgn="auto" latinLnBrk="0" hangingPunct="0">
@@ -224,7 +224,7 @@
         <a:latin typeface="+mj-lt"/>
         <a:ea typeface="+mj-ea"/>
         <a:cs typeface="+mj-cs"/>
-        <a:sym typeface="Helvetica Neue"/>
+        <a:sym typeface="Helvetica"/>
       </a:defRPr>
     </a:lvl6pPr>
     <a:lvl7pPr marL="0" marR="0" indent="0" algn="ctr" defTabSz="2438337" rtl="0" fontAlgn="auto" latinLnBrk="0" hangingPunct="0">
@@ -254,7 +254,7 @@
         <a:latin typeface="+mj-lt"/>
         <a:ea typeface="+mj-ea"/>
         <a:cs typeface="+mj-cs"/>
-        <a:sym typeface="Helvetica Neue"/>
+        <a:sym typeface="Helvetica"/>
       </a:defRPr>
     </a:lvl7pPr>
     <a:lvl8pPr marL="0" marR="0" indent="0" algn="ctr" defTabSz="2438337" rtl="0" fontAlgn="auto" latinLnBrk="0" hangingPunct="0">
@@ -284,7 +284,7 @@
         <a:latin typeface="+mj-lt"/>
         <a:ea typeface="+mj-ea"/>
         <a:cs typeface="+mj-cs"/>
-        <a:sym typeface="Helvetica Neue"/>
+        <a:sym typeface="Helvetica"/>
       </a:defRPr>
     </a:lvl8pPr>
     <a:lvl9pPr marL="0" marR="0" indent="0" algn="ctr" defTabSz="2438337" rtl="0" fontAlgn="auto" latinLnBrk="0" hangingPunct="0">
@@ -314,7 +314,7 @@
         <a:latin typeface="+mj-lt"/>
         <a:ea typeface="+mj-ea"/>
         <a:cs typeface="+mj-cs"/>
-        <a:sym typeface="Helvetica Neue"/>
+        <a:sym typeface="Helvetica"/>
       </a:defRPr>
     </a:lvl9pPr>
   </p:defaultTextStyle>
@@ -401,9 +401,9 @@
         <a:spcPct val="117999"/>
       </a:lnSpc>
       <a:defRPr sz="2200">
-        <a:latin typeface="+mj-lt"/>
-        <a:ea typeface="+mj-ea"/>
-        <a:cs typeface="+mj-cs"/>
+        <a:latin typeface="+mn-lt"/>
+        <a:ea typeface="+mn-ea"/>
+        <a:cs typeface="+mn-cs"/>
         <a:sym typeface="Helvetica Neue"/>
       </a:defRPr>
     </a:lvl1pPr>
@@ -412,9 +412,9 @@
         <a:spcPct val="117999"/>
       </a:lnSpc>
       <a:defRPr sz="2200">
-        <a:latin typeface="+mj-lt"/>
-        <a:ea typeface="+mj-ea"/>
-        <a:cs typeface="+mj-cs"/>
+        <a:latin typeface="+mn-lt"/>
+        <a:ea typeface="+mn-ea"/>
+        <a:cs typeface="+mn-cs"/>
         <a:sym typeface="Helvetica Neue"/>
       </a:defRPr>
     </a:lvl2pPr>
@@ -423,9 +423,9 @@
         <a:spcPct val="117999"/>
       </a:lnSpc>
       <a:defRPr sz="2200">
-        <a:latin typeface="+mj-lt"/>
-        <a:ea typeface="+mj-ea"/>
-        <a:cs typeface="+mj-cs"/>
+        <a:latin typeface="+mn-lt"/>
+        <a:ea typeface="+mn-ea"/>
+        <a:cs typeface="+mn-cs"/>
         <a:sym typeface="Helvetica Neue"/>
       </a:defRPr>
     </a:lvl3pPr>
@@ -434,9 +434,9 @@
         <a:spcPct val="117999"/>
       </a:lnSpc>
       <a:defRPr sz="2200">
-        <a:latin typeface="+mj-lt"/>
-        <a:ea typeface="+mj-ea"/>
-        <a:cs typeface="+mj-cs"/>
+        <a:latin typeface="+mn-lt"/>
+        <a:ea typeface="+mn-ea"/>
+        <a:cs typeface="+mn-cs"/>
         <a:sym typeface="Helvetica Neue"/>
       </a:defRPr>
     </a:lvl4pPr>
@@ -445,9 +445,9 @@
         <a:spcPct val="117999"/>
       </a:lnSpc>
       <a:defRPr sz="2200">
-        <a:latin typeface="+mj-lt"/>
-        <a:ea typeface="+mj-ea"/>
-        <a:cs typeface="+mj-cs"/>
+        <a:latin typeface="+mn-lt"/>
+        <a:ea typeface="+mn-ea"/>
+        <a:cs typeface="+mn-cs"/>
         <a:sym typeface="Helvetica Neue"/>
       </a:defRPr>
     </a:lvl5pPr>
@@ -456,9 +456,9 @@
         <a:spcPct val="117999"/>
       </a:lnSpc>
       <a:defRPr sz="2200">
-        <a:latin typeface="+mj-lt"/>
-        <a:ea typeface="+mj-ea"/>
-        <a:cs typeface="+mj-cs"/>
+        <a:latin typeface="+mn-lt"/>
+        <a:ea typeface="+mn-ea"/>
+        <a:cs typeface="+mn-cs"/>
         <a:sym typeface="Helvetica Neue"/>
       </a:defRPr>
     </a:lvl6pPr>
@@ -467,9 +467,9 @@
         <a:spcPct val="117999"/>
       </a:lnSpc>
       <a:defRPr sz="2200">
-        <a:latin typeface="+mj-lt"/>
-        <a:ea typeface="+mj-ea"/>
-        <a:cs typeface="+mj-cs"/>
+        <a:latin typeface="+mn-lt"/>
+        <a:ea typeface="+mn-ea"/>
+        <a:cs typeface="+mn-cs"/>
         <a:sym typeface="Helvetica Neue"/>
       </a:defRPr>
     </a:lvl7pPr>
@@ -478,9 +478,9 @@
         <a:spcPct val="117999"/>
       </a:lnSpc>
       <a:defRPr sz="2200">
-        <a:latin typeface="+mj-lt"/>
-        <a:ea typeface="+mj-ea"/>
-        <a:cs typeface="+mj-cs"/>
+        <a:latin typeface="+mn-lt"/>
+        <a:ea typeface="+mn-ea"/>
+        <a:cs typeface="+mn-cs"/>
         <a:sym typeface="Helvetica Neue"/>
       </a:defRPr>
     </a:lvl8pPr>
@@ -489,9 +489,9 @@
         <a:spcPct val="117999"/>
       </a:lnSpc>
       <a:defRPr sz="2200">
-        <a:latin typeface="+mj-lt"/>
-        <a:ea typeface="+mj-ea"/>
-        <a:cs typeface="+mj-cs"/>
+        <a:latin typeface="+mn-lt"/>
+        <a:ea typeface="+mn-ea"/>
+        <a:cs typeface="+mn-cs"/>
         <a:sym typeface="Helvetica Neue"/>
       </a:defRPr>
     </a:lvl9pPr>
@@ -527,7 +527,7 @@
         <p:spPr>
           <a:xfrm>
             <a:off x="1201340" y="11859862"/>
-            <a:ext cx="21971004" cy="636980"/>
+            <a:ext cx="21971005" cy="636981"/>
           </a:xfrm>
           <a:prstGeom prst="rect">
             <a:avLst/>
@@ -627,7 +627,7 @@
         <p:spPr>
           <a:xfrm>
             <a:off x="1206496" y="2574991"/>
-            <a:ext cx="21971005" cy="4648202"/>
+            <a:ext cx="21971005" cy="4648203"/>
           </a:xfrm>
           <a:prstGeom prst="rect">
             <a:avLst/>
@@ -659,7 +659,7 @@
         <p:spPr>
           <a:xfrm>
             <a:off x="1201342" y="7223190"/>
-            <a:ext cx="21971002" cy="1905002"/>
+            <a:ext cx="21971002" cy="1905003"/>
           </a:xfrm>
           <a:prstGeom prst="rect">
             <a:avLst/>
@@ -931,8 +931,8 @@
         </p:nvSpPr>
         <p:spPr>
           <a:xfrm>
-            <a:off x="1206500" y="1075926"/>
-            <a:ext cx="21971000" cy="7241586"/>
+            <a:off x="1206500" y="1075925"/>
+            <a:ext cx="21971000" cy="7241587"/>
           </a:xfrm>
           <a:prstGeom prst="rect">
             <a:avLst/>
@@ -1127,8 +1127,8 @@
         </p:nvSpPr>
         <p:spPr>
           <a:xfrm>
-            <a:off x="2430024" y="10675453"/>
-            <a:ext cx="20200054" cy="636980"/>
+            <a:off x="2430023" y="10675453"/>
+            <a:ext cx="20200055" cy="636981"/>
           </a:xfrm>
           <a:prstGeom prst="rect">
             <a:avLst/>
@@ -1228,7 +1228,7 @@
         <p:spPr>
           <a:xfrm>
             <a:off x="1753923" y="4939860"/>
-            <a:ext cx="20876154" cy="3836281"/>
+            <a:ext cx="20876154" cy="3836282"/>
           </a:xfrm>
           <a:prstGeom prst="rect">
             <a:avLst/>
@@ -1237,7 +1237,7 @@
         <p:txBody>
           <a:bodyPr numCol="1" spcCol="38100"/>
           <a:lstStyle>
-            <a:lvl1pPr marL="469900" indent="-300876">
+            <a:lvl1pPr marL="300875" indent="-131851">
               <a:spcBef>
                 <a:spcPts val="0"/>
               </a:spcBef>
@@ -1637,7 +1637,7 @@
         <p:spPr>
           <a:xfrm>
             <a:off x="1207690" y="1106137"/>
-            <a:ext cx="21968621" cy="636980"/>
+            <a:ext cx="21968621" cy="636981"/>
           </a:xfrm>
           <a:prstGeom prst="rect">
             <a:avLst/>
@@ -1737,7 +1737,7 @@
         <p:spPr>
           <a:xfrm>
             <a:off x="1206500" y="11609909"/>
-            <a:ext cx="21971000" cy="1116953"/>
+            <a:ext cx="21971000" cy="1116954"/>
           </a:xfrm>
           <a:prstGeom prst="rect">
             <a:avLst/>
@@ -1987,8 +1987,8 @@
         </p:nvSpPr>
         <p:spPr>
           <a:xfrm>
-            <a:off x="12001499" y="13085233"/>
-            <a:ext cx="368505" cy="374600"/>
+            <a:off x="12001500" y="13085233"/>
+            <a:ext cx="368504" cy="374600"/>
           </a:xfrm>
           <a:prstGeom prst="rect">
             <a:avLst/>
@@ -2067,8 +2067,8 @@
         </p:nvSpPr>
         <p:spPr>
           <a:xfrm>
-            <a:off x="1206500" y="2372961"/>
-            <a:ext cx="21971000" cy="934781"/>
+            <a:off x="1206500" y="2372960"/>
+            <a:ext cx="21971000" cy="934782"/>
           </a:xfrm>
           <a:prstGeom prst="rect">
             <a:avLst/>
@@ -2166,6 +2166,10 @@
           </p:nvPr>
         </p:nvSpPr>
         <p:spPr>
+          <a:xfrm>
+            <a:off x="1206500" y="4248503"/>
+            <a:ext cx="21971000" cy="8256015"/>
+          </a:xfrm>
           <a:prstGeom prst="rect">
             <a:avLst/>
           </a:prstGeom>
@@ -2335,8 +2339,8 @@
         </p:nvSpPr>
         <p:spPr>
           <a:xfrm>
-            <a:off x="1206500" y="2372961"/>
-            <a:ext cx="9779000" cy="934781"/>
+            <a:off x="1206500" y="2372960"/>
+            <a:ext cx="9779000" cy="934782"/>
           </a:xfrm>
           <a:prstGeom prst="rect">
             <a:avLst/>
@@ -2436,7 +2440,7 @@
         <p:spPr>
           <a:xfrm>
             <a:off x="1206500" y="4248503"/>
-            <a:ext cx="9779000" cy="8256631"/>
+            <a:ext cx="9779000" cy="8256632"/>
           </a:xfrm>
           <a:prstGeom prst="rect">
             <a:avLst/>
@@ -2603,8 +2607,8 @@
         </p:nvSpPr>
         <p:spPr>
           <a:xfrm>
-            <a:off x="12001499" y="13085233"/>
-            <a:ext cx="368505" cy="374600"/>
+            <a:off x="12001500" y="13085233"/>
+            <a:ext cx="368504" cy="374600"/>
           </a:xfrm>
           <a:prstGeom prst="rect">
             <a:avLst/>
@@ -2656,7 +2660,7 @@
         <p:spPr>
           <a:xfrm>
             <a:off x="1206500" y="1079500"/>
-            <a:ext cx="21971000" cy="1434950"/>
+            <a:ext cx="21971000" cy="1434951"/>
           </a:xfrm>
           <a:prstGeom prst="rect">
             <a:avLst/>
@@ -2683,8 +2687,8 @@
         </p:nvSpPr>
         <p:spPr>
           <a:xfrm>
-            <a:off x="1206500" y="2372961"/>
-            <a:ext cx="21971000" cy="934781"/>
+            <a:off x="1206500" y="2372960"/>
+            <a:ext cx="21971000" cy="934782"/>
           </a:xfrm>
           <a:prstGeom prst="rect">
             <a:avLst/>
@@ -2859,8 +2863,8 @@
         </p:nvSpPr>
         <p:spPr>
           <a:xfrm>
-            <a:off x="1206500" y="2372961"/>
-            <a:ext cx="21971000" cy="934781"/>
+            <a:off x="1206500" y="2372960"/>
+            <a:ext cx="21971000" cy="934782"/>
           </a:xfrm>
           <a:prstGeom prst="rect">
             <a:avLst/>
@@ -2958,6 +2962,10 @@
           </p:nvPr>
         </p:nvSpPr>
         <p:spPr>
+          <a:xfrm>
+            <a:off x="1206500" y="4248503"/>
+            <a:ext cx="21971000" cy="8256015"/>
+          </a:xfrm>
           <a:prstGeom prst="rect">
             <a:avLst/>
           </a:prstGeom>
@@ -3150,8 +3158,8 @@
         </p:nvSpPr>
         <p:spPr>
           <a:xfrm>
-            <a:off x="12001499" y="13080999"/>
-            <a:ext cx="368505" cy="374600"/>
+            <a:off x="12001500" y="13080999"/>
+            <a:ext cx="368504" cy="374600"/>
           </a:xfrm>
           <a:prstGeom prst="rect">
             <a:avLst/>
@@ -3170,6 +3178,10 @@
                 <a:solidFill>
                   <a:srgbClr val="000000"/>
                 </a:solidFill>
+                <a:latin typeface="+mn-lt"/>
+                <a:ea typeface="+mn-ea"/>
+                <a:cs typeface="+mn-cs"/>
+                <a:sym typeface="Helvetica Neue"/>
               </a:defRPr>
             </a:lvl1pPr>
           </a:lstStyle>
@@ -3222,9 +3234,9 @@
             <a:srgbClr val="000000"/>
           </a:solidFill>
           <a:uFillTx/>
-          <a:latin typeface="+mj-lt"/>
-          <a:ea typeface="+mj-ea"/>
-          <a:cs typeface="+mj-cs"/>
+          <a:latin typeface="+mn-lt"/>
+          <a:ea typeface="+mn-ea"/>
+          <a:cs typeface="+mn-cs"/>
           <a:sym typeface="Helvetica Neue"/>
         </a:defRPr>
       </a:lvl1pPr>
@@ -3248,9 +3260,9 @@
             <a:srgbClr val="000000"/>
           </a:solidFill>
           <a:uFillTx/>
-          <a:latin typeface="+mj-lt"/>
-          <a:ea typeface="+mj-ea"/>
-          <a:cs typeface="+mj-cs"/>
+          <a:latin typeface="+mn-lt"/>
+          <a:ea typeface="+mn-ea"/>
+          <a:cs typeface="+mn-cs"/>
           <a:sym typeface="Helvetica Neue"/>
         </a:defRPr>
       </a:lvl2pPr>
@@ -3274,9 +3286,9 @@
             <a:srgbClr val="000000"/>
           </a:solidFill>
           <a:uFillTx/>
-          <a:latin typeface="+mj-lt"/>
-          <a:ea typeface="+mj-ea"/>
-          <a:cs typeface="+mj-cs"/>
+          <a:latin typeface="+mn-lt"/>
+          <a:ea typeface="+mn-ea"/>
+          <a:cs typeface="+mn-cs"/>
           <a:sym typeface="Helvetica Neue"/>
         </a:defRPr>
       </a:lvl3pPr>
@@ -3300,9 +3312,9 @@
             <a:srgbClr val="000000"/>
           </a:solidFill>
           <a:uFillTx/>
-          <a:latin typeface="+mj-lt"/>
-          <a:ea typeface="+mj-ea"/>
-          <a:cs typeface="+mj-cs"/>
+          <a:latin typeface="+mn-lt"/>
+          <a:ea typeface="+mn-ea"/>
+          <a:cs typeface="+mn-cs"/>
           <a:sym typeface="Helvetica Neue"/>
         </a:defRPr>
       </a:lvl4pPr>
@@ -3326,9 +3338,9 @@
             <a:srgbClr val="000000"/>
           </a:solidFill>
           <a:uFillTx/>
-          <a:latin typeface="+mj-lt"/>
-          <a:ea typeface="+mj-ea"/>
-          <a:cs typeface="+mj-cs"/>
+          <a:latin typeface="+mn-lt"/>
+          <a:ea typeface="+mn-ea"/>
+          <a:cs typeface="+mn-cs"/>
           <a:sym typeface="Helvetica Neue"/>
         </a:defRPr>
       </a:lvl5pPr>
@@ -3352,9 +3364,9 @@
             <a:srgbClr val="000000"/>
           </a:solidFill>
           <a:uFillTx/>
-          <a:latin typeface="+mj-lt"/>
-          <a:ea typeface="+mj-ea"/>
-          <a:cs typeface="+mj-cs"/>
+          <a:latin typeface="+mn-lt"/>
+          <a:ea typeface="+mn-ea"/>
+          <a:cs typeface="+mn-cs"/>
           <a:sym typeface="Helvetica Neue"/>
         </a:defRPr>
       </a:lvl6pPr>
@@ -3378,9 +3390,9 @@
             <a:srgbClr val="000000"/>
           </a:solidFill>
           <a:uFillTx/>
-          <a:latin typeface="+mj-lt"/>
-          <a:ea typeface="+mj-ea"/>
-          <a:cs typeface="+mj-cs"/>
+          <a:latin typeface="+mn-lt"/>
+          <a:ea typeface="+mn-ea"/>
+          <a:cs typeface="+mn-cs"/>
           <a:sym typeface="Helvetica Neue"/>
         </a:defRPr>
       </a:lvl7pPr>
@@ -3404,9 +3416,9 @@
             <a:srgbClr val="000000"/>
           </a:solidFill>
           <a:uFillTx/>
-          <a:latin typeface="+mj-lt"/>
-          <a:ea typeface="+mj-ea"/>
-          <a:cs typeface="+mj-cs"/>
+          <a:latin typeface="+mn-lt"/>
+          <a:ea typeface="+mn-ea"/>
+          <a:cs typeface="+mn-cs"/>
           <a:sym typeface="Helvetica Neue"/>
         </a:defRPr>
       </a:lvl8pPr>
@@ -3430,9 +3442,9 @@
             <a:srgbClr val="000000"/>
           </a:solidFill>
           <a:uFillTx/>
-          <a:latin typeface="+mj-lt"/>
-          <a:ea typeface="+mj-ea"/>
-          <a:cs typeface="+mj-cs"/>
+          <a:latin typeface="+mn-lt"/>
+          <a:ea typeface="+mn-ea"/>
+          <a:cs typeface="+mn-cs"/>
           <a:sym typeface="Helvetica Neue"/>
         </a:defRPr>
       </a:lvl9pPr>
@@ -3458,9 +3470,9 @@
             <a:srgbClr val="000000"/>
           </a:solidFill>
           <a:uFillTx/>
-          <a:latin typeface="+mj-lt"/>
-          <a:ea typeface="+mj-ea"/>
-          <a:cs typeface="+mj-cs"/>
+          <a:latin typeface="+mn-lt"/>
+          <a:ea typeface="+mn-ea"/>
+          <a:cs typeface="+mn-cs"/>
           <a:sym typeface="Helvetica Neue"/>
         </a:defRPr>
       </a:lvl1pPr>
@@ -3484,9 +3496,9 @@
             <a:srgbClr val="000000"/>
           </a:solidFill>
           <a:uFillTx/>
-          <a:latin typeface="+mj-lt"/>
-          <a:ea typeface="+mj-ea"/>
-          <a:cs typeface="+mj-cs"/>
+          <a:latin typeface="+mn-lt"/>
+          <a:ea typeface="+mn-ea"/>
+          <a:cs typeface="+mn-cs"/>
           <a:sym typeface="Helvetica Neue"/>
         </a:defRPr>
       </a:lvl2pPr>
@@ -3510,9 +3522,9 @@
             <a:srgbClr val="000000"/>
           </a:solidFill>
           <a:uFillTx/>
-          <a:latin typeface="+mj-lt"/>
-          <a:ea typeface="+mj-ea"/>
-          <a:cs typeface="+mj-cs"/>
+          <a:latin typeface="+mn-lt"/>
+          <a:ea typeface="+mn-ea"/>
+          <a:cs typeface="+mn-cs"/>
           <a:sym typeface="Helvetica Neue"/>
         </a:defRPr>
       </a:lvl3pPr>
@@ -3536,9 +3548,9 @@
             <a:srgbClr val="000000"/>
           </a:solidFill>
           <a:uFillTx/>
-          <a:latin typeface="+mj-lt"/>
-          <a:ea typeface="+mj-ea"/>
-          <a:cs typeface="+mj-cs"/>
+          <a:latin typeface="+mn-lt"/>
+          <a:ea typeface="+mn-ea"/>
+          <a:cs typeface="+mn-cs"/>
           <a:sym typeface="Helvetica Neue"/>
         </a:defRPr>
       </a:lvl4pPr>
@@ -3562,9 +3574,9 @@
             <a:srgbClr val="000000"/>
           </a:solidFill>
           <a:uFillTx/>
-          <a:latin typeface="+mj-lt"/>
-          <a:ea typeface="+mj-ea"/>
-          <a:cs typeface="+mj-cs"/>
+          <a:latin typeface="+mn-lt"/>
+          <a:ea typeface="+mn-ea"/>
+          <a:cs typeface="+mn-cs"/>
           <a:sym typeface="Helvetica Neue"/>
         </a:defRPr>
       </a:lvl5pPr>
@@ -3588,9 +3600,9 @@
             <a:srgbClr val="000000"/>
           </a:solidFill>
           <a:uFillTx/>
-          <a:latin typeface="+mj-lt"/>
-          <a:ea typeface="+mj-ea"/>
-          <a:cs typeface="+mj-cs"/>
+          <a:latin typeface="+mn-lt"/>
+          <a:ea typeface="+mn-ea"/>
+          <a:cs typeface="+mn-cs"/>
           <a:sym typeface="Helvetica Neue"/>
         </a:defRPr>
       </a:lvl6pPr>
@@ -3614,9 +3626,9 @@
             <a:srgbClr val="000000"/>
           </a:solidFill>
           <a:uFillTx/>
-          <a:latin typeface="+mj-lt"/>
-          <a:ea typeface="+mj-ea"/>
-          <a:cs typeface="+mj-cs"/>
+          <a:latin typeface="+mn-lt"/>
+          <a:ea typeface="+mn-ea"/>
+          <a:cs typeface="+mn-cs"/>
           <a:sym typeface="Helvetica Neue"/>
         </a:defRPr>
       </a:lvl7pPr>
@@ -3640,9 +3652,9 @@
             <a:srgbClr val="000000"/>
           </a:solidFill>
           <a:uFillTx/>
-          <a:latin typeface="+mj-lt"/>
-          <a:ea typeface="+mj-ea"/>
-          <a:cs typeface="+mj-cs"/>
+          <a:latin typeface="+mn-lt"/>
+          <a:ea typeface="+mn-ea"/>
+          <a:cs typeface="+mn-cs"/>
           <a:sym typeface="Helvetica Neue"/>
         </a:defRPr>
       </a:lvl8pPr>
@@ -3666,9 +3678,9 @@
             <a:srgbClr val="000000"/>
           </a:solidFill>
           <a:uFillTx/>
-          <a:latin typeface="+mj-lt"/>
-          <a:ea typeface="+mj-ea"/>
-          <a:cs typeface="+mj-cs"/>
+          <a:latin typeface="+mn-lt"/>
+          <a:ea typeface="+mn-ea"/>
+          <a:cs typeface="+mn-cs"/>
           <a:sym typeface="Helvetica Neue"/>
         </a:defRPr>
       </a:lvl9pPr>
@@ -3941,7 +3953,7 @@
         <p:spPr>
           <a:xfrm>
             <a:off x="1201341" y="11859862"/>
-            <a:ext cx="21971002" cy="1558378"/>
+            <a:ext cx="21971002" cy="1558379"/>
           </a:xfrm>
           <a:prstGeom prst="rect">
             <a:avLst/>
@@ -3984,8 +3996,8 @@
         </p:nvSpPr>
         <p:spPr>
           <a:xfrm>
-            <a:off x="1206495" y="2574990"/>
-            <a:ext cx="21971006" cy="4648203"/>
+            <a:off x="1206494" y="2574989"/>
+            <a:ext cx="21971008" cy="4648204"/>
           </a:xfrm>
           <a:prstGeom prst="rect">
             <a:avLst/>
@@ -4015,7 +4027,7 @@
         <p:spPr>
           <a:xfrm>
             <a:off x="1201342" y="7223190"/>
-            <a:ext cx="21971002" cy="1905002"/>
+            <a:ext cx="21971002" cy="1905003"/>
           </a:xfrm>
           <a:prstGeom prst="rect">
             <a:avLst/>
@@ -4039,6 +4051,10 @@
                 <a:solidFill>
                   <a:srgbClr val="000000"/>
                 </a:solidFill>
+                <a:latin typeface="+mn-lt"/>
+                <a:ea typeface="+mn-ea"/>
+                <a:cs typeface="+mn-cs"/>
+                <a:sym typeface="Helvetica Neue"/>
               </a:defRPr>
             </a:lvl1pPr>
           </a:lstStyle>
@@ -4068,8 +4084,8 @@
         </p:blipFill>
         <p:spPr>
           <a:xfrm>
-            <a:off x="13954243" y="-486201"/>
-            <a:ext cx="10701551" cy="14688402"/>
+            <a:off x="13954242" y="-486201"/>
+            <a:ext cx="10701552" cy="14688403"/>
           </a:xfrm>
           <a:prstGeom prst="rect">
             <a:avLst/>
@@ -4115,8 +4131,8 @@
         </p:nvSpPr>
         <p:spPr>
           <a:xfrm>
-            <a:off x="344270" y="135422"/>
-            <a:ext cx="24008356" cy="1624387"/>
+            <a:off x="344269" y="135422"/>
+            <a:ext cx="24008358" cy="1624387"/>
           </a:xfrm>
           <a:prstGeom prst="rect">
             <a:avLst/>
@@ -4163,7 +4179,7 @@
         </p:nvSpPr>
         <p:spPr>
           <a:xfrm>
-            <a:off x="11385244" y="12847943"/>
+            <a:off x="11385243" y="12847942"/>
             <a:ext cx="1613511" cy="572822"/>
           </a:xfrm>
           <a:prstGeom prst="rect">
@@ -4188,6 +4204,10 @@
                 <a:solidFill>
                   <a:srgbClr val="000000"/>
                 </a:solidFill>
+                <a:latin typeface="+mn-lt"/>
+                <a:ea typeface="+mn-ea"/>
+                <a:cs typeface="+mn-cs"/>
+                <a:sym typeface="Helvetica Neue"/>
               </a:defRPr>
             </a:lvl1pPr>
           </a:lstStyle>
@@ -4217,8 +4237,8 @@
         </p:blipFill>
         <p:spPr>
           <a:xfrm>
-            <a:off x="9811219" y="1771671"/>
-            <a:ext cx="5074458" cy="11064410"/>
+            <a:off x="9811218" y="1771670"/>
+            <a:ext cx="5074460" cy="11064411"/>
           </a:xfrm>
           <a:prstGeom prst="rect">
             <a:avLst/>
@@ -4275,8 +4295,8 @@
         </p:nvSpPr>
         <p:spPr>
           <a:xfrm>
-            <a:off x="344270" y="-687305"/>
-            <a:ext cx="23695460" cy="3086295"/>
+            <a:off x="344269" y="-687305"/>
+            <a:ext cx="23695462" cy="3086295"/>
           </a:xfrm>
           <a:prstGeom prst="rect">
             <a:avLst/>
@@ -4299,7 +4319,7 @@
       </p:sp>
       <p:pic>
         <p:nvPicPr>
-          <p:cNvPr id="161" name="Снимок экрана 2023-01-15 в 17.17.09.png" descr="Снимок экрана 2023-01-15 в 17.17.09.png"/>
+          <p:cNvPr id="161" name="Снимок экрана 2023-01-17 в 00.59.32.png" descr="Снимок экрана 2023-01-17 в 00.59.32.png"/>
           <p:cNvPicPr>
             <a:picLocks noChangeAspect="1"/>
           </p:cNvPicPr>
@@ -4315,8 +4335,8 @@
         </p:blipFill>
         <p:spPr>
           <a:xfrm>
-            <a:off x="7351818" y="1073760"/>
-            <a:ext cx="9680364" cy="13286775"/>
+            <a:off x="7340854" y="1119892"/>
+            <a:ext cx="9702292" cy="13316871"/>
           </a:xfrm>
           <a:prstGeom prst="rect">
             <a:avLst/>
@@ -4373,8 +4393,8 @@
         </p:nvSpPr>
         <p:spPr>
           <a:xfrm>
-            <a:off x="344270" y="-687305"/>
-            <a:ext cx="23695460" cy="3086295"/>
+            <a:off x="344269" y="-687305"/>
+            <a:ext cx="23695462" cy="3086295"/>
           </a:xfrm>
           <a:prstGeom prst="rect">
             <a:avLst/>
@@ -4397,7 +4417,7 @@
       </p:sp>
       <p:pic>
         <p:nvPicPr>
-          <p:cNvPr id="164" name="Снимок экрана 2023-01-15 в 17.18.15.png" descr="Снимок экрана 2023-01-15 в 17.18.15.png"/>
+          <p:cNvPr id="164" name="Снимок экрана 2023-01-17 в 00.59.50.png" descr="Снимок экрана 2023-01-17 в 00.59.50.png"/>
           <p:cNvPicPr>
             <a:picLocks noChangeAspect="1"/>
           </p:cNvPicPr>
@@ -4413,8 +4433,8 @@
         </p:blipFill>
         <p:spPr>
           <a:xfrm>
-            <a:off x="7372218" y="1065337"/>
-            <a:ext cx="9639563" cy="13230772"/>
+            <a:off x="7393072" y="1021542"/>
+            <a:ext cx="9597856" cy="13173527"/>
           </a:xfrm>
           <a:prstGeom prst="rect">
             <a:avLst/>
@@ -4471,8 +4491,8 @@
         </p:nvSpPr>
         <p:spPr>
           <a:xfrm>
-            <a:off x="344270" y="-778376"/>
-            <a:ext cx="23695460" cy="3086295"/>
+            <a:off x="344269" y="-778376"/>
+            <a:ext cx="23695462" cy="3086295"/>
           </a:xfrm>
           <a:prstGeom prst="rect">
             <a:avLst/>
@@ -4513,8 +4533,8 @@
         </p:nvSpPr>
         <p:spPr>
           <a:xfrm>
-            <a:off x="344270" y="1344552"/>
-            <a:ext cx="23695460" cy="1256350"/>
+            <a:off x="344269" y="1344552"/>
+            <a:ext cx="23695462" cy="1256351"/>
           </a:xfrm>
           <a:prstGeom prst="rect">
             <a:avLst/>
@@ -4581,8 +4601,8 @@
         </p:nvSpPr>
         <p:spPr>
           <a:xfrm>
-            <a:off x="344270" y="2385352"/>
-            <a:ext cx="23695460" cy="3086295"/>
+            <a:off x="344269" y="2385352"/>
+            <a:ext cx="23695462" cy="3086296"/>
           </a:xfrm>
           <a:prstGeom prst="rect">
             <a:avLst/>
@@ -4659,25 +4679,7 @@
                 <a:cs typeface="Helvetica Neue Light"/>
                 <a:sym typeface="Helvetica Neue Light"/>
               </a:rPr>
-              <a:t>(</a:t>
-            </a:r>
-            <a:r>
-              <a:rPr sz="3900">
-                <a:latin typeface="Helvetica Neue Light"/>
-                <a:ea typeface="Helvetica Neue Light"/>
-                <a:cs typeface="Helvetica Neue Light"/>
-                <a:sym typeface="Helvetica Neue Light"/>
-              </a:rPr>
-              <a:t>сделано с помощью включения/выключения звуков при нажатие самодельной CheckButton</a:t>
-            </a:r>
-            <a:r>
-              <a:rPr sz="3900">
-                <a:latin typeface="Helvetica Neue Light"/>
-                <a:ea typeface="Helvetica Neue Light"/>
-                <a:cs typeface="Helvetica Neue Light"/>
-                <a:sym typeface="Helvetica Neue Light"/>
-              </a:rPr>
-              <a:t>)</a:t>
+              <a:t>(сделано с помощью включения/выключения звуков при нажатие самодельной CheckButton)</a:t>
             </a:r>
             <a:endParaRPr spc="-99"/>
           </a:p>
@@ -4708,25 +4710,7 @@
                 <a:cs typeface="Helvetica Neue Light"/>
                 <a:sym typeface="Helvetica Neue Light"/>
               </a:rPr>
-              <a:t>(</a:t>
-            </a:r>
-            <a:r>
-              <a:rPr sz="3900">
-                <a:latin typeface="Helvetica Neue Light"/>
-                <a:ea typeface="Helvetica Neue Light"/>
-                <a:cs typeface="Helvetica Neue Light"/>
-                <a:sym typeface="Helvetica Neue Light"/>
-              </a:rPr>
-              <a:t>сделано с помощью смены цветовой палитры при нажатие самодельной CheckButton</a:t>
-            </a:r>
-            <a:r>
-              <a:rPr sz="3900">
-                <a:latin typeface="Helvetica Neue Light"/>
-                <a:ea typeface="Helvetica Neue Light"/>
-                <a:cs typeface="Helvetica Neue Light"/>
-                <a:sym typeface="Helvetica Neue Light"/>
-              </a:rPr>
-              <a:t>)</a:t>
+              <a:t>(сделано с помощью смены цветовой палитры при нажатие самодельной CheckButton)</a:t>
             </a:r>
             <a:endParaRPr spc="-99"/>
           </a:p>
@@ -4764,7 +4748,7 @@
       </p:sp>
       <p:pic>
         <p:nvPicPr>
-          <p:cNvPr id="169" name="Снимок экрана 2023-01-15 в 17.18.15.png" descr="Снимок экрана 2023-01-15 в 17.18.15.png"/>
+          <p:cNvPr id="169" name="Снимок экрана 2023-01-17 в 00.59.50.png" descr="Снимок экрана 2023-01-17 в 00.59.50.png"/>
           <p:cNvPicPr>
             <a:picLocks noChangeAspect="1"/>
           </p:cNvPicPr>
@@ -4780,8 +4764,8 @@
         </p:blipFill>
         <p:spPr>
           <a:xfrm>
-            <a:off x="8799667" y="4983824"/>
-            <a:ext cx="6784666" cy="9312285"/>
+            <a:off x="8828018" y="5152987"/>
+            <a:ext cx="6727964" cy="9234461"/>
           </a:xfrm>
           <a:prstGeom prst="rect">
             <a:avLst/>
@@ -4838,8 +4822,8 @@
         </p:nvSpPr>
         <p:spPr>
           <a:xfrm>
-            <a:off x="344270" y="592321"/>
-            <a:ext cx="23695460" cy="3086295"/>
+            <a:off x="344269" y="592321"/>
+            <a:ext cx="23695462" cy="3086295"/>
           </a:xfrm>
           <a:prstGeom prst="rect">
             <a:avLst/>
@@ -4897,8 +4881,8 @@
         </p:blipFill>
         <p:spPr>
           <a:xfrm>
-            <a:off x="7045130" y="1719498"/>
-            <a:ext cx="10293740" cy="12867175"/>
+            <a:off x="7045129" y="1719497"/>
+            <a:ext cx="10293741" cy="12867177"/>
           </a:xfrm>
           <a:prstGeom prst="rect">
             <a:avLst/>
@@ -4955,8 +4939,8 @@
         </p:nvSpPr>
         <p:spPr>
           <a:xfrm>
-            <a:off x="344270" y="-687305"/>
-            <a:ext cx="23695460" cy="3086295"/>
+            <a:off x="344269" y="-687305"/>
+            <a:ext cx="23695462" cy="3086295"/>
           </a:xfrm>
           <a:prstGeom prst="rect">
             <a:avLst/>
@@ -4979,7 +4963,7 @@
       </p:sp>
       <p:pic>
         <p:nvPicPr>
-          <p:cNvPr id="175" name="Снимок экрана 2023-01-15 в 17.21.57.png" descr="Снимок экрана 2023-01-15 в 17.21.57.png"/>
+          <p:cNvPr id="175" name="Снимок экрана 2023-01-17 в 01.00.38.png" descr="Снимок экрана 2023-01-17 в 01.00.38.png"/>
           <p:cNvPicPr>
             <a:picLocks noChangeAspect="1"/>
           </p:cNvPicPr>
@@ -4995,8 +4979,8 @@
         </p:blipFill>
         <p:spPr>
           <a:xfrm>
-            <a:off x="7409176" y="1523999"/>
-            <a:ext cx="9565648" cy="13129321"/>
+            <a:off x="7453538" y="1524000"/>
+            <a:ext cx="9476924" cy="13007543"/>
           </a:xfrm>
           <a:prstGeom prst="rect">
             <a:avLst/>
@@ -5053,8 +5037,8 @@
         </p:nvSpPr>
         <p:spPr>
           <a:xfrm>
-            <a:off x="344270" y="1615000"/>
-            <a:ext cx="23695460" cy="3086295"/>
+            <a:off x="344269" y="1614999"/>
+            <a:ext cx="23695462" cy="3086296"/>
           </a:xfrm>
           <a:prstGeom prst="rect">
             <a:avLst/>
@@ -5095,8 +5079,8 @@
         </p:nvSpPr>
         <p:spPr>
           <a:xfrm>
-            <a:off x="344270" y="4000206"/>
-            <a:ext cx="23695460" cy="6151297"/>
+            <a:off x="344269" y="4000205"/>
+            <a:ext cx="23695462" cy="6151298"/>
           </a:xfrm>
           <a:prstGeom prst="rect">
             <a:avLst/>
@@ -5133,7 +5117,7 @@
           <a:p>
             <a:pPr/>
             <a:r>
-              <a:t>В планах добавить выбор музыки, сделать дополнительные темы с изменёнными тетраминами, изменение громкости и добавить больше игровых уровней и режимов</a:t>
+              <a:t>В планах добавить выбор музыки, сделать дополнительные темы, изменение громкости и добавить больше игровых уровней и режимов</a:t>
             </a:r>
           </a:p>
         </p:txBody>
@@ -5185,8 +5169,8 @@
         </p:nvSpPr>
         <p:spPr>
           <a:xfrm>
-            <a:off x="344270" y="2804677"/>
-            <a:ext cx="23695460" cy="3086295"/>
+            <a:off x="344269" y="2804677"/>
+            <a:ext cx="23695462" cy="3086296"/>
           </a:xfrm>
           <a:prstGeom prst="rect">
             <a:avLst/>
@@ -5227,8 +5211,8 @@
         </p:nvSpPr>
         <p:spPr>
           <a:xfrm>
-            <a:off x="383433" y="5298461"/>
-            <a:ext cx="23695460" cy="3880702"/>
+            <a:off x="383432" y="5298461"/>
+            <a:ext cx="23695462" cy="3880703"/>
           </a:xfrm>
           <a:prstGeom prst="rect">
             <a:avLst/>
@@ -5278,8 +5262,8 @@
         </p:nvSpPr>
         <p:spPr>
           <a:xfrm>
-            <a:off x="9528549" y="11602252"/>
-            <a:ext cx="5326901" cy="659471"/>
+            <a:off x="9528548" y="11602252"/>
+            <a:ext cx="5326902" cy="659470"/>
           </a:xfrm>
           <a:prstGeom prst="rect">
             <a:avLst/>
@@ -5303,6 +5287,10 @@
                 <a:solidFill>
                   <a:srgbClr val="000000"/>
                 </a:solidFill>
+                <a:latin typeface="+mn-lt"/>
+                <a:ea typeface="+mn-ea"/>
+                <a:cs typeface="+mn-cs"/>
+                <a:sym typeface="Helvetica Neue"/>
               </a:defRPr>
             </a:lvl1pPr>
           </a:lstStyle>
@@ -5377,14 +5365,14 @@
     </a:clrScheme>
     <a:fontScheme name="21_BasicWhite">
       <a:majorFont>
+        <a:latin typeface="Helvetica"/>
+        <a:ea typeface="Helvetica"/>
+        <a:cs typeface="Helvetica"/>
+      </a:majorFont>
+      <a:minorFont>
         <a:latin typeface="Helvetica Neue"/>
         <a:ea typeface="Helvetica Neue"/>
         <a:cs typeface="Helvetica Neue"/>
-      </a:majorFont>
-      <a:minorFont>
-        <a:latin typeface="Helvetica"/>
-        <a:ea typeface="Helvetica"/>
-        <a:cs typeface="Helvetica"/>
       </a:minorFont>
     </a:fontScheme>
     <a:fmtScheme name="21_BasicWhite">
@@ -5568,7 +5556,7 @@
             <a:latin typeface="+mj-lt"/>
             <a:ea typeface="+mj-ea"/>
             <a:cs typeface="+mj-cs"/>
-            <a:sym typeface="Helvetica Neue"/>
+            <a:sym typeface="Helvetica"/>
           </a:defRPr>
         </a:defPPr>
         <a:lvl1pPr marL="0" marR="0" indent="0" algn="l" defTabSz="914400" rtl="0" fontAlgn="auto" latinLnBrk="1" hangingPunct="0">
@@ -6139,7 +6127,7 @@
             <a:latin typeface="+mj-lt"/>
             <a:ea typeface="+mj-ea"/>
             <a:cs typeface="+mj-cs"/>
-            <a:sym typeface="Helvetica Neue"/>
+            <a:sym typeface="Helvetica"/>
           </a:defRPr>
         </a:defPPr>
         <a:lvl1pPr marL="0" marR="0" indent="0" algn="l" defTabSz="914400" rtl="0" fontAlgn="auto" latinLnBrk="1" hangingPunct="0">
@@ -6431,14 +6419,14 @@
     </a:clrScheme>
     <a:fontScheme name="21_BasicWhite">
       <a:majorFont>
+        <a:latin typeface="Helvetica"/>
+        <a:ea typeface="Helvetica"/>
+        <a:cs typeface="Helvetica"/>
+      </a:majorFont>
+      <a:minorFont>
         <a:latin typeface="Helvetica Neue"/>
         <a:ea typeface="Helvetica Neue"/>
         <a:cs typeface="Helvetica Neue"/>
-      </a:majorFont>
-      <a:minorFont>
-        <a:latin typeface="Helvetica"/>
-        <a:ea typeface="Helvetica"/>
-        <a:cs typeface="Helvetica"/>
       </a:minorFont>
     </a:fontScheme>
     <a:fmtScheme name="21_BasicWhite">
@@ -6622,7 +6610,7 @@
             <a:latin typeface="+mj-lt"/>
             <a:ea typeface="+mj-ea"/>
             <a:cs typeface="+mj-cs"/>
-            <a:sym typeface="Helvetica Neue"/>
+            <a:sym typeface="Helvetica"/>
           </a:defRPr>
         </a:defPPr>
         <a:lvl1pPr marL="0" marR="0" indent="0" algn="l" defTabSz="914400" rtl="0" fontAlgn="auto" latinLnBrk="1" hangingPunct="0">
@@ -7193,7 +7181,7 @@
             <a:latin typeface="+mj-lt"/>
             <a:ea typeface="+mj-ea"/>
             <a:cs typeface="+mj-cs"/>
-            <a:sym typeface="Helvetica Neue"/>
+            <a:sym typeface="Helvetica"/>
           </a:defRPr>
         </a:defPPr>
         <a:lvl1pPr marL="0" marR="0" indent="0" algn="l" defTabSz="914400" rtl="0" fontAlgn="auto" latinLnBrk="1" hangingPunct="0">
